--- a/NVVG.pptx
+++ b/NVVG.pptx
@@ -3725,6 +3725,49 @@
       </p:grpSpPr>
       <p:sp>
         <p:nvSpPr>
+          <p:cNvPr id="27" name="Rectangle 26"/>
+          <p:cNvSpPr/>
+          <p:nvPr/>
+        </p:nvSpPr>
+        <p:spPr>
+          <a:xfrm>
+            <a:off x="5257800" y="1828800"/>
+            <a:ext cx="3657600" cy="3124200"/>
+          </a:xfrm>
+          <a:prstGeom prst="rect">
+            <a:avLst/>
+          </a:prstGeom>
+          <a:solidFill>
+            <a:schemeClr val="bg1">
+              <a:lumMod val="85000"/>
+            </a:schemeClr>
+          </a:solidFill>
+        </p:spPr>
+        <p:style>
+          <a:lnRef idx="2">
+            <a:schemeClr val="dk1"/>
+          </a:lnRef>
+          <a:fillRef idx="1">
+            <a:schemeClr val="lt1"/>
+          </a:fillRef>
+          <a:effectRef idx="0">
+            <a:schemeClr val="dk1"/>
+          </a:effectRef>
+          <a:fontRef idx="minor">
+            <a:schemeClr val="dk1"/>
+          </a:fontRef>
+        </p:style>
+        <p:txBody>
+          <a:bodyPr rtlCol="0" anchor="ctr"/>
+          <a:lstStyle/>
+          <a:p>
+            <a:pPr algn="ctr"/>
+            <a:endParaRPr lang="en-US"/>
+          </a:p>
+        </p:txBody>
+      </p:sp>
+      <p:sp>
+        <p:nvSpPr>
           <p:cNvPr id="2" name="Title 1"/>
           <p:cNvSpPr>
             <a:spLocks noGrp="1"/>
@@ -3860,25 +3903,430 @@
       </p:sp>
       <p:sp>
         <p:nvSpPr>
-          <p:cNvPr id="4" name="Content Placeholder 3"/>
-          <p:cNvSpPr>
-            <a:spLocks noGrp="1"/>
-          </p:cNvSpPr>
-          <p:nvPr>
-            <p:ph sz="half" idx="2"/>
-          </p:nvPr>
-        </p:nvSpPr>
-        <p:spPr/>
+          <p:cNvPr id="5" name="Content Placeholder 2"/>
+          <p:cNvSpPr>
+            <a:spLocks noGrp="1"/>
+          </p:cNvSpPr>
+          <p:nvPr>
+            <p:ph idx="1"/>
+          </p:nvPr>
+        </p:nvSpPr>
+        <p:spPr>
+          <a:xfrm>
+            <a:off x="5334000" y="2133600"/>
+            <a:ext cx="3498173" cy="530748"/>
+          </a:xfrm>
+        </p:spPr>
         <p:txBody>
           <a:bodyPr>
-            <a:normAutofit fontScale="85000" lnSpcReduction="10000"/>
+            <a:normAutofit/>
           </a:bodyPr>
           <a:lstStyle/>
           <a:p>
-            <a:endParaRPr lang="en-US" dirty="0"/>
-          </a:p>
-        </p:txBody>
-      </p:sp>
+            <a:pPr marL="0" indent="0" algn="ctr">
+              <a:buNone/>
+            </a:pPr>
+            <a:r>
+              <a:rPr lang="en-US" sz="2000" dirty="0" err="1" smtClean="0"/>
+              <a:t>SiloObject</a:t>
+            </a:r>
+            <a:endParaRPr lang="en-US" sz="2000" dirty="0"/>
+          </a:p>
+        </p:txBody>
+      </p:sp>
+      <p:pic>
+        <p:nvPicPr>
+          <p:cNvPr id="6" name="Picture 3"/>
+          <p:cNvPicPr>
+            <a:picLocks noChangeAspect="1" noChangeArrowheads="1"/>
+          </p:cNvPicPr>
+          <p:nvPr/>
+        </p:nvPicPr>
+        <p:blipFill>
+          <a:blip r:embed="rId2">
+            <a:extLst>
+              <a:ext uri="{28A0092B-C50C-407E-A947-70E740481C1C}">
+                <a14:useLocalDpi xmlns:a14="http://schemas.microsoft.com/office/drawing/2010/main" val="0"/>
+              </a:ext>
+            </a:extLst>
+          </a:blip>
+          <a:srcRect/>
+          <a:stretch>
+            <a:fillRect/>
+          </a:stretch>
+        </p:blipFill>
+        <p:spPr bwMode="auto">
+          <a:xfrm>
+            <a:off x="5576880" y="3529226"/>
+            <a:ext cx="671520" cy="1031455"/>
+          </a:xfrm>
+          <a:prstGeom prst="rect">
+            <a:avLst/>
+          </a:prstGeom>
+          <a:noFill/>
+          <a:ln>
+            <a:noFill/>
+          </a:ln>
+          <a:effectLst/>
+          <a:extLst>
+            <a:ext uri="{909E8E84-426E-40DD-AFC4-6F175D3DCCD1}">
+              <a14:hiddenFill xmlns:a14="http://schemas.microsoft.com/office/drawing/2010/main">
+                <a:solidFill>
+                  <a:schemeClr val="accent1"/>
+                </a:solidFill>
+              </a14:hiddenFill>
+            </a:ext>
+            <a:ext uri="{91240B29-F687-4F45-9708-019B960494DF}">
+              <a14:hiddenLine xmlns:a14="http://schemas.microsoft.com/office/drawing/2010/main" w="9525">
+                <a:solidFill>
+                  <a:schemeClr val="tx1"/>
+                </a:solidFill>
+                <a:miter lim="800000"/>
+                <a:headEnd/>
+                <a:tailEnd/>
+              </a14:hiddenLine>
+            </a:ext>
+            <a:ext uri="{AF507438-7753-43E0-B8FC-AC1667EBCBE1}">
+              <a14:hiddenEffects xmlns:a14="http://schemas.microsoft.com/office/drawing/2010/main">
+                <a:effectLst>
+                  <a:outerShdw dist="35921" dir="2700000" algn="ctr" rotWithShape="0">
+                    <a:schemeClr val="bg2"/>
+                  </a:outerShdw>
+                </a:effectLst>
+              </a14:hiddenEffects>
+            </a:ext>
+          </a:extLst>
+        </p:spPr>
+      </p:pic>
+      <p:pic>
+        <p:nvPicPr>
+          <p:cNvPr id="7" name="Picture 5"/>
+          <p:cNvPicPr>
+            <a:picLocks noChangeAspect="1" noChangeArrowheads="1"/>
+          </p:cNvPicPr>
+          <p:nvPr/>
+        </p:nvPicPr>
+        <p:blipFill>
+          <a:blip r:embed="rId3" cstate="print">
+            <a:extLst>
+              <a:ext uri="{28A0092B-C50C-407E-A947-70E740481C1C}">
+                <a14:useLocalDpi xmlns:a14="http://schemas.microsoft.com/office/drawing/2010/main" val="0"/>
+              </a:ext>
+            </a:extLst>
+          </a:blip>
+          <a:srcRect/>
+          <a:stretch>
+            <a:fillRect/>
+          </a:stretch>
+        </p:blipFill>
+        <p:spPr bwMode="auto">
+          <a:xfrm>
+            <a:off x="7848600" y="3509222"/>
+            <a:ext cx="718512" cy="1071465"/>
+          </a:xfrm>
+          <a:prstGeom prst="rect">
+            <a:avLst/>
+          </a:prstGeom>
+          <a:noFill/>
+          <a:ln>
+            <a:noFill/>
+          </a:ln>
+          <a:effectLst/>
+          <a:extLst>
+            <a:ext uri="{909E8E84-426E-40DD-AFC4-6F175D3DCCD1}">
+              <a14:hiddenFill xmlns:a14="http://schemas.microsoft.com/office/drawing/2010/main">
+                <a:solidFill>
+                  <a:schemeClr val="accent1"/>
+                </a:solidFill>
+              </a14:hiddenFill>
+            </a:ext>
+            <a:ext uri="{91240B29-F687-4F45-9708-019B960494DF}">
+              <a14:hiddenLine xmlns:a14="http://schemas.microsoft.com/office/drawing/2010/main" w="9525">
+                <a:solidFill>
+                  <a:schemeClr val="tx1"/>
+                </a:solidFill>
+                <a:miter lim="800000"/>
+                <a:headEnd/>
+                <a:tailEnd/>
+              </a14:hiddenLine>
+            </a:ext>
+            <a:ext uri="{AF507438-7753-43E0-B8FC-AC1667EBCBE1}">
+              <a14:hiddenEffects xmlns:a14="http://schemas.microsoft.com/office/drawing/2010/main">
+                <a:effectLst>
+                  <a:outerShdw dist="35921" dir="2700000" algn="ctr" rotWithShape="0">
+                    <a:schemeClr val="bg2"/>
+                  </a:outerShdw>
+                </a:effectLst>
+              </a14:hiddenEffects>
+            </a:ext>
+          </a:extLst>
+        </p:spPr>
+      </p:pic>
+      <p:pic>
+        <p:nvPicPr>
+          <p:cNvPr id="8" name="Picture 7"/>
+          <p:cNvPicPr>
+            <a:picLocks noChangeAspect="1" noChangeArrowheads="1"/>
+          </p:cNvPicPr>
+          <p:nvPr/>
+        </p:nvPicPr>
+        <p:blipFill>
+          <a:blip r:embed="rId4">
+            <a:extLst>
+              <a:ext uri="{28A0092B-C50C-407E-A947-70E740481C1C}">
+                <a14:useLocalDpi xmlns:a14="http://schemas.microsoft.com/office/drawing/2010/main" val="0"/>
+              </a:ext>
+            </a:extLst>
+          </a:blip>
+          <a:srcRect/>
+          <a:stretch>
+            <a:fillRect/>
+          </a:stretch>
+        </p:blipFill>
+        <p:spPr bwMode="auto">
+          <a:xfrm>
+            <a:off x="6705600" y="3509220"/>
+            <a:ext cx="749033" cy="1071465"/>
+          </a:xfrm>
+          <a:prstGeom prst="rect">
+            <a:avLst/>
+          </a:prstGeom>
+          <a:noFill/>
+          <a:ln>
+            <a:noFill/>
+          </a:ln>
+          <a:effectLst/>
+          <a:extLst>
+            <a:ext uri="{909E8E84-426E-40DD-AFC4-6F175D3DCCD1}">
+              <a14:hiddenFill xmlns:a14="http://schemas.microsoft.com/office/drawing/2010/main">
+                <a:solidFill>
+                  <a:schemeClr val="accent1"/>
+                </a:solidFill>
+              </a14:hiddenFill>
+            </a:ext>
+            <a:ext uri="{91240B29-F687-4F45-9708-019B960494DF}">
+              <a14:hiddenLine xmlns:a14="http://schemas.microsoft.com/office/drawing/2010/main" w="9525">
+                <a:solidFill>
+                  <a:schemeClr val="tx1"/>
+                </a:solidFill>
+                <a:miter lim="800000"/>
+                <a:headEnd/>
+                <a:tailEnd/>
+              </a14:hiddenLine>
+            </a:ext>
+            <a:ext uri="{AF507438-7753-43E0-B8FC-AC1667EBCBE1}">
+              <a14:hiddenEffects xmlns:a14="http://schemas.microsoft.com/office/drawing/2010/main">
+                <a:effectLst>
+                  <a:outerShdw dist="35921" dir="2700000" algn="ctr" rotWithShape="0">
+                    <a:schemeClr val="bg2"/>
+                  </a:outerShdw>
+                </a:effectLst>
+              </a14:hiddenEffects>
+            </a:ext>
+          </a:extLst>
+        </p:spPr>
+      </p:pic>
+      <p:sp>
+        <p:nvSpPr>
+          <p:cNvPr id="9" name="TextBox 8"/>
+          <p:cNvSpPr txBox="1"/>
+          <p:nvPr/>
+        </p:nvSpPr>
+        <p:spPr>
+          <a:xfrm>
+            <a:off x="5161684" y="3164730"/>
+            <a:ext cx="1467716" cy="369332"/>
+          </a:xfrm>
+          <a:prstGeom prst="rect">
+            <a:avLst/>
+          </a:prstGeom>
+          <a:noFill/>
+        </p:spPr>
+        <p:txBody>
+          <a:bodyPr wrap="square" rtlCol="0">
+            <a:spAutoFit/>
+          </a:bodyPr>
+          <a:lstStyle/>
+          <a:p>
+            <a:pPr algn="ctr"/>
+            <a:r>
+              <a:rPr lang="en-US" dirty="0" smtClean="0"/>
+              <a:t>Ghost </a:t>
+            </a:r>
+            <a:r>
+              <a:rPr lang="en-US" sz="1600" dirty="0" smtClean="0"/>
+              <a:t>Silos</a:t>
+            </a:r>
+          </a:p>
+        </p:txBody>
+      </p:sp>
+      <p:sp>
+        <p:nvSpPr>
+          <p:cNvPr id="10" name="TextBox 9"/>
+          <p:cNvSpPr txBox="1"/>
+          <p:nvPr/>
+        </p:nvSpPr>
+        <p:spPr>
+          <a:xfrm>
+            <a:off x="7543800" y="3152625"/>
+            <a:ext cx="1454827" cy="369332"/>
+          </a:xfrm>
+          <a:prstGeom prst="rect">
+            <a:avLst/>
+          </a:prstGeom>
+          <a:noFill/>
+        </p:spPr>
+        <p:txBody>
+          <a:bodyPr wrap="square" rtlCol="0">
+            <a:spAutoFit/>
+          </a:bodyPr>
+          <a:lstStyle/>
+          <a:p>
+            <a:pPr algn="ctr"/>
+            <a:r>
+              <a:rPr lang="en-US" sz="1600" dirty="0" smtClean="0"/>
+              <a:t>Enemy</a:t>
+            </a:r>
+            <a:r>
+              <a:rPr lang="en-US" dirty="0" smtClean="0"/>
+              <a:t> Silos</a:t>
+            </a:r>
+          </a:p>
+        </p:txBody>
+      </p:sp>
+      <p:sp>
+        <p:nvSpPr>
+          <p:cNvPr id="11" name="TextBox 10"/>
+          <p:cNvSpPr txBox="1"/>
+          <p:nvPr/>
+        </p:nvSpPr>
+        <p:spPr>
+          <a:xfrm>
+            <a:off x="6324600" y="3168014"/>
+            <a:ext cx="1592397" cy="338554"/>
+          </a:xfrm>
+          <a:prstGeom prst="rect">
+            <a:avLst/>
+          </a:prstGeom>
+          <a:noFill/>
+        </p:spPr>
+        <p:txBody>
+          <a:bodyPr wrap="square" rtlCol="0">
+            <a:spAutoFit/>
+          </a:bodyPr>
+          <a:lstStyle/>
+          <a:p>
+            <a:pPr algn="ctr"/>
+            <a:r>
+              <a:rPr lang="en-US" sz="1600" dirty="0" smtClean="0"/>
+              <a:t>Friendly Silos</a:t>
+            </a:r>
+          </a:p>
+        </p:txBody>
+      </p:sp>
+      <p:cxnSp>
+        <p:nvCxnSpPr>
+          <p:cNvPr id="12" name="Straight Arrow Connector 11"/>
+          <p:cNvCxnSpPr>
+            <a:endCxn id="10" idx="0"/>
+          </p:cNvCxnSpPr>
+          <p:nvPr/>
+        </p:nvCxnSpPr>
+        <p:spPr>
+          <a:xfrm>
+            <a:off x="7696200" y="2514600"/>
+            <a:ext cx="575014" cy="638025"/>
+          </a:xfrm>
+          <a:prstGeom prst="straightConnector1">
+            <a:avLst/>
+          </a:prstGeom>
+          <a:ln>
+            <a:tailEnd type="arrow"/>
+          </a:ln>
+        </p:spPr>
+        <p:style>
+          <a:lnRef idx="3">
+            <a:schemeClr val="dk1"/>
+          </a:lnRef>
+          <a:fillRef idx="0">
+            <a:schemeClr val="dk1"/>
+          </a:fillRef>
+          <a:effectRef idx="2">
+            <a:schemeClr val="dk1"/>
+          </a:effectRef>
+          <a:fontRef idx="minor">
+            <a:schemeClr val="tx1"/>
+          </a:fontRef>
+        </p:style>
+      </p:cxnSp>
+      <p:cxnSp>
+        <p:nvCxnSpPr>
+          <p:cNvPr id="13" name="Straight Arrow Connector 12"/>
+          <p:cNvCxnSpPr/>
+          <p:nvPr/>
+        </p:nvCxnSpPr>
+        <p:spPr>
+          <a:xfrm>
+            <a:off x="7080115" y="2588148"/>
+            <a:ext cx="0" cy="579866"/>
+          </a:xfrm>
+          <a:prstGeom prst="straightConnector1">
+            <a:avLst/>
+          </a:prstGeom>
+          <a:ln>
+            <a:tailEnd type="arrow"/>
+          </a:ln>
+        </p:spPr>
+        <p:style>
+          <a:lnRef idx="3">
+            <a:schemeClr val="dk1"/>
+          </a:lnRef>
+          <a:fillRef idx="0">
+            <a:schemeClr val="dk1"/>
+          </a:fillRef>
+          <a:effectRef idx="2">
+            <a:schemeClr val="dk1"/>
+          </a:effectRef>
+          <a:fontRef idx="minor">
+            <a:schemeClr val="tx1"/>
+          </a:fontRef>
+        </p:style>
+      </p:cxnSp>
+      <p:cxnSp>
+        <p:nvCxnSpPr>
+          <p:cNvPr id="14" name="Straight Arrow Connector 13"/>
+          <p:cNvCxnSpPr>
+            <a:endCxn id="9" idx="0"/>
+          </p:cNvCxnSpPr>
+          <p:nvPr/>
+        </p:nvCxnSpPr>
+        <p:spPr>
+          <a:xfrm flipH="1">
+            <a:off x="5895542" y="2514600"/>
+            <a:ext cx="645067" cy="650130"/>
+          </a:xfrm>
+          <a:prstGeom prst="straightConnector1">
+            <a:avLst/>
+          </a:prstGeom>
+          <a:ln>
+            <a:tailEnd type="arrow"/>
+          </a:ln>
+        </p:spPr>
+        <p:style>
+          <a:lnRef idx="3">
+            <a:schemeClr val="dk1"/>
+          </a:lnRef>
+          <a:fillRef idx="0">
+            <a:schemeClr val="dk1"/>
+          </a:fillRef>
+          <a:effectRef idx="2">
+            <a:schemeClr val="dk1"/>
+          </a:effectRef>
+          <a:fontRef idx="minor">
+            <a:schemeClr val="tx1"/>
+          </a:fontRef>
+        </p:style>
+      </p:cxnSp>
     </p:spTree>
     <p:extLst>
       <p:ext uri="{BB962C8B-B14F-4D97-AF65-F5344CB8AC3E}">
@@ -4993,7 +5441,12 @@
             <p:ph type="title"/>
           </p:nvPr>
         </p:nvSpPr>
-        <p:spPr/>
+        <p:spPr>
+          <a:xfrm>
+            <a:off x="304800" y="533400"/>
+            <a:ext cx="8229600" cy="1143000"/>
+          </a:xfrm>
+        </p:spPr>
         <p:txBody>
           <a:bodyPr/>
           <a:lstStyle/>
@@ -5006,6 +5459,68 @@
           </a:p>
         </p:txBody>
       </p:sp>
+      <p:pic>
+        <p:nvPicPr>
+          <p:cNvPr id="4" name="Picture 3"/>
+          <p:cNvPicPr>
+            <a:picLocks noChangeAspect="1"/>
+          </p:cNvPicPr>
+          <p:nvPr/>
+        </p:nvPicPr>
+        <p:blipFill>
+          <a:blip r:embed="rId2">
+            <a:extLst>
+              <a:ext uri="{28A0092B-C50C-407E-A947-70E740481C1C}">
+                <a14:useLocalDpi xmlns:a14="http://schemas.microsoft.com/office/drawing/2010/main" val="0"/>
+              </a:ext>
+            </a:extLst>
+          </a:blip>
+          <a:stretch>
+            <a:fillRect/>
+          </a:stretch>
+        </p:blipFill>
+        <p:spPr>
+          <a:xfrm>
+            <a:off x="1752600" y="1905000"/>
+            <a:ext cx="5689600" cy="4114800"/>
+          </a:xfrm>
+          <a:prstGeom prst="rect">
+            <a:avLst/>
+          </a:prstGeom>
+          <a:solidFill>
+            <a:srgbClr val="FFFFFF">
+              <a:shade val="85000"/>
+            </a:srgbClr>
+          </a:solidFill>
+          <a:ln w="190500" cap="sq">
+            <a:solidFill>
+              <a:srgbClr val="FFFFFF"/>
+            </a:solidFill>
+            <a:miter lim="800000"/>
+          </a:ln>
+          <a:effectLst>
+            <a:outerShdw blurRad="65000" dist="50800" dir="12900000" kx="195000" ky="145000" algn="tl" rotWithShape="0">
+              <a:srgbClr val="000000">
+                <a:alpha val="30000"/>
+              </a:srgbClr>
+            </a:outerShdw>
+          </a:effectLst>
+          <a:scene3d>
+            <a:camera prst="orthographicFront">
+              <a:rot lat="0" lon="0" rev="360000"/>
+            </a:camera>
+            <a:lightRig rig="twoPt" dir="t">
+              <a:rot lat="0" lon="0" rev="7200000"/>
+            </a:lightRig>
+          </a:scene3d>
+          <a:sp3d contourW="12700">
+            <a:bevelT w="25400" h="19050"/>
+            <a:contourClr>
+              <a:srgbClr val="969696"/>
+            </a:contourClr>
+          </a:sp3d>
+        </p:spPr>
+      </p:pic>
     </p:spTree>
     <p:extLst>
       <p:ext uri="{BB962C8B-B14F-4D97-AF65-F5344CB8AC3E}">
